--- a/slides/Lecture5-01-30-23-LinearAlgebra-2.pptx
+++ b/slides/Lecture5-01-30-23-LinearAlgebra-2.pptx
@@ -6944,7 +6944,7 @@
         <p:spPr>
           <a:xfrm>
             <a:off x="828629" y="1201837"/>
-            <a:ext cx="8645878" cy="1323439"/>
+            <a:ext cx="7669195" cy="1323439"/>
           </a:xfrm>
           <a:prstGeom prst="rect">
             <a:avLst/>
@@ -7003,8 +7003,8 @@
           </a:prstGeom>
         </p:spPr>
       </p:pic>
-      <mc:AlternateContent xmlns:mc="http://schemas.openxmlformats.org/markup-compatibility/2006">
-        <mc:Choice xmlns:a14="http://schemas.microsoft.com/office/drawing/2010/main" Requires="a14">
+      <mc:AlternateContent xmlns:mc="http://schemas.openxmlformats.org/markup-compatibility/2006" xmlns:a14="http://schemas.microsoft.com/office/drawing/2010/main">
+        <mc:Choice Requires="a14">
           <p:sp>
             <p:nvSpPr>
               <p:cNvPr id="15" name="TextBox 14">
@@ -7117,7 +7117,7 @@
             </p:txBody>
           </p:sp>
         </mc:Choice>
-        <mc:Fallback>
+        <mc:Fallback xmlns="">
           <p:sp>
             <p:nvSpPr>
               <p:cNvPr id="15" name="TextBox 14">
@@ -7228,6 +7228,259 @@
           </a:prstGeom>
         </p:spPr>
       </p:pic>
+      <p:sp>
+        <p:nvSpPr>
+          <p:cNvPr id="3" name="TextBox 2">
+            <a:extLst>
+              <a:ext uri="{FF2B5EF4-FFF2-40B4-BE49-F238E27FC236}">
+                <a16:creationId xmlns:a16="http://schemas.microsoft.com/office/drawing/2014/main" id="{5E6F4A6D-DD63-7210-0FDD-ECB2972F4A77}"/>
+              </a:ext>
+            </a:extLst>
+          </p:cNvPr>
+          <p:cNvSpPr txBox="1"/>
+          <p:nvPr/>
+        </p:nvSpPr>
+        <p:spPr>
+          <a:xfrm>
+            <a:off x="9531260" y="1286677"/>
+            <a:ext cx="1255472" cy="400110"/>
+          </a:xfrm>
+          <a:prstGeom prst="rect">
+            <a:avLst/>
+          </a:prstGeom>
+          <a:noFill/>
+        </p:spPr>
+        <p:txBody>
+          <a:bodyPr wrap="none" rtlCol="0">
+            <a:spAutoFit/>
+          </a:bodyPr>
+          <a:lstStyle/>
+          <a:p>
+            <a:r>
+              <a:rPr lang="en-US" sz="2000" b="1" dirty="0"/>
+              <a:t>Example:</a:t>
+            </a:r>
+          </a:p>
+        </p:txBody>
+      </p:sp>
+      <mc:AlternateContent xmlns:mc="http://schemas.openxmlformats.org/markup-compatibility/2006">
+        <mc:Choice xmlns:a14="http://schemas.microsoft.com/office/drawing/2010/main" Requires="a14">
+          <p:sp>
+            <p:nvSpPr>
+              <p:cNvPr id="5" name="TextBox 4">
+                <a:extLst>
+                  <a:ext uri="{FF2B5EF4-FFF2-40B4-BE49-F238E27FC236}">
+                    <a16:creationId xmlns:a16="http://schemas.microsoft.com/office/drawing/2014/main" id="{97B15023-660C-EBFE-3521-E22AB9C0D5FE}"/>
+                  </a:ext>
+                </a:extLst>
+              </p:cNvPr>
+              <p:cNvSpPr txBox="1"/>
+              <p:nvPr/>
+            </p:nvSpPr>
+            <p:spPr>
+              <a:xfrm>
+                <a:off x="9059432" y="1777600"/>
+                <a:ext cx="2091726" cy="362984"/>
+              </a:xfrm>
+              <a:prstGeom prst="rect">
+                <a:avLst/>
+              </a:prstGeom>
+              <a:noFill/>
+            </p:spPr>
+            <p:txBody>
+              <a:bodyPr wrap="none" rtlCol="0">
+                <a:spAutoFit/>
+              </a:bodyPr>
+              <a:lstStyle/>
+              <a:p>
+                <a14:m>
+                  <m:oMathPara xmlns:m="http://schemas.openxmlformats.org/officeDocument/2006/math">
+                    <m:oMathParaPr>
+                      <m:jc m:val="centerGroup"/>
+                    </m:oMathParaPr>
+                    <m:oMath xmlns:m="http://schemas.openxmlformats.org/officeDocument/2006/math">
+                      <m:r>
+                        <a:rPr lang="en-US" i="1" dirty="0" smtClean="0">
+                          <a:latin typeface="Cambria Math" panose="02040503050406030204" pitchFamily="18" charset="0"/>
+                        </a:rPr>
+                        <m:t>𝐻</m:t>
+                      </m:r>
+                      <m:r>
+                        <a:rPr lang="en-US" i="1" dirty="0" smtClean="0">
+                          <a:latin typeface="Cambria Math" panose="02040503050406030204" pitchFamily="18" charset="0"/>
+                          <a:ea typeface="Cambria Math" panose="02040503050406030204" pitchFamily="18" charset="0"/>
+                        </a:rPr>
+                        <m:t>𝜓</m:t>
+                      </m:r>
+                      <m:r>
+                        <a:rPr lang="en-US" b="0" i="1" baseline="-25000" dirty="0" smtClean="0">
+                          <a:latin typeface="Cambria Math" panose="02040503050406030204" pitchFamily="18" charset="0"/>
+                          <a:ea typeface="Cambria Math" panose="02040503050406030204" pitchFamily="18" charset="0"/>
+                        </a:rPr>
+                        <m:t>𝑛</m:t>
+                      </m:r>
+                      <m:r>
+                        <a:rPr lang="en-US" b="0" i="1" dirty="0" smtClean="0">
+                          <a:latin typeface="Cambria Math" panose="02040503050406030204" pitchFamily="18" charset="0"/>
+                          <a:ea typeface="Cambria Math" panose="02040503050406030204" pitchFamily="18" charset="0"/>
+                        </a:rPr>
+                        <m:t>(</m:t>
+                      </m:r>
+                      <m:r>
+                        <a:rPr lang="en-US" b="0" i="1" dirty="0" smtClean="0">
+                          <a:latin typeface="Cambria Math" panose="02040503050406030204" pitchFamily="18" charset="0"/>
+                          <a:ea typeface="Cambria Math" panose="02040503050406030204" pitchFamily="18" charset="0"/>
+                        </a:rPr>
+                        <m:t>𝑥</m:t>
+                      </m:r>
+                      <m:r>
+                        <a:rPr lang="en-US" b="0" i="1" dirty="0" smtClean="0">
+                          <a:latin typeface="Cambria Math" panose="02040503050406030204" pitchFamily="18" charset="0"/>
+                          <a:ea typeface="Cambria Math" panose="02040503050406030204" pitchFamily="18" charset="0"/>
+                        </a:rPr>
+                        <m:t>)=</m:t>
+                      </m:r>
+                      <m:r>
+                        <a:rPr lang="en-US" i="1" dirty="0" err="1" smtClean="0">
+                          <a:latin typeface="Cambria Math" panose="02040503050406030204" pitchFamily="18" charset="0"/>
+                        </a:rPr>
+                        <m:t>𝐸</m:t>
+                      </m:r>
+                      <m:r>
+                        <a:rPr lang="en-US" b="0" i="1" baseline="-25000" dirty="0" smtClean="0">
+                          <a:latin typeface="Cambria Math" panose="02040503050406030204" pitchFamily="18" charset="0"/>
+                        </a:rPr>
+                        <m:t>𝑛</m:t>
+                      </m:r>
+                      <m:r>
+                        <a:rPr lang="en-US" i="1" dirty="0">
+                          <a:latin typeface="Cambria Math" panose="02040503050406030204" pitchFamily="18" charset="0"/>
+                          <a:ea typeface="Cambria Math" panose="02040503050406030204" pitchFamily="18" charset="0"/>
+                        </a:rPr>
+                        <m:t>𝜓</m:t>
+                      </m:r>
+                      <m:r>
+                        <a:rPr lang="en-US" i="1" baseline="-25000" dirty="0">
+                          <a:latin typeface="Cambria Math" panose="02040503050406030204" pitchFamily="18" charset="0"/>
+                          <a:ea typeface="Cambria Math" panose="02040503050406030204" pitchFamily="18" charset="0"/>
+                        </a:rPr>
+                        <m:t>𝑛</m:t>
+                      </m:r>
+                      <m:r>
+                        <a:rPr lang="en-US" i="1" dirty="0">
+                          <a:latin typeface="Cambria Math" panose="02040503050406030204" pitchFamily="18" charset="0"/>
+                          <a:ea typeface="Cambria Math" panose="02040503050406030204" pitchFamily="18" charset="0"/>
+                        </a:rPr>
+                        <m:t>(</m:t>
+                      </m:r>
+                      <m:r>
+                        <a:rPr lang="en-US" i="1" dirty="0">
+                          <a:latin typeface="Cambria Math" panose="02040503050406030204" pitchFamily="18" charset="0"/>
+                          <a:ea typeface="Cambria Math" panose="02040503050406030204" pitchFamily="18" charset="0"/>
+                        </a:rPr>
+                        <m:t>𝑥</m:t>
+                      </m:r>
+                      <m:r>
+                        <a:rPr lang="en-US" i="1" dirty="0">
+                          <a:latin typeface="Cambria Math" panose="02040503050406030204" pitchFamily="18" charset="0"/>
+                          <a:ea typeface="Cambria Math" panose="02040503050406030204" pitchFamily="18" charset="0"/>
+                        </a:rPr>
+                        <m:t>)</m:t>
+                      </m:r>
+                    </m:oMath>
+                  </m:oMathPara>
+                </a14:m>
+                <a:endParaRPr lang="en-US" baseline="-25000" dirty="0"/>
+              </a:p>
+            </p:txBody>
+          </p:sp>
+        </mc:Choice>
+        <mc:Fallback>
+          <p:sp>
+            <p:nvSpPr>
+              <p:cNvPr id="5" name="TextBox 4">
+                <a:extLst>
+                  <a:ext uri="{FF2B5EF4-FFF2-40B4-BE49-F238E27FC236}">
+                    <a16:creationId xmlns:a16="http://schemas.microsoft.com/office/drawing/2014/main" id="{97B15023-660C-EBFE-3521-E22AB9C0D5FE}"/>
+                  </a:ext>
+                </a:extLst>
+              </p:cNvPr>
+              <p:cNvSpPr txBox="1">
+                <a:spLocks noRot="1" noChangeAspect="1" noMove="1" noResize="1" noEditPoints="1" noAdjustHandles="1" noChangeArrowheads="1" noChangeShapeType="1" noTextEdit="1"/>
+              </p:cNvSpPr>
+              <p:nvPr/>
+            </p:nvSpPr>
+            <p:spPr>
+              <a:xfrm>
+                <a:off x="9059432" y="1777600"/>
+                <a:ext cx="2091726" cy="362984"/>
+              </a:xfrm>
+              <a:prstGeom prst="rect">
+                <a:avLst/>
+              </a:prstGeom>
+              <a:blipFill>
+                <a:blip r:embed="rId9"/>
+                <a:stretch>
+                  <a:fillRect b="-17241"/>
+                </a:stretch>
+              </a:blipFill>
+            </p:spPr>
+            <p:txBody>
+              <a:bodyPr/>
+              <a:lstStyle/>
+              <a:p>
+                <a:r>
+                  <a:rPr lang="en-US">
+                    <a:noFill/>
+                  </a:rPr>
+                  <a:t> </a:t>
+                </a:r>
+              </a:p>
+            </p:txBody>
+          </p:sp>
+        </mc:Fallback>
+      </mc:AlternateContent>
+      <p:sp>
+        <p:nvSpPr>
+          <p:cNvPr id="6" name="TextBox 5">
+            <a:extLst>
+              <a:ext uri="{FF2B5EF4-FFF2-40B4-BE49-F238E27FC236}">
+                <a16:creationId xmlns:a16="http://schemas.microsoft.com/office/drawing/2014/main" id="{D341E782-756B-BBD8-AFC0-72BE60E311F6}"/>
+              </a:ext>
+            </a:extLst>
+          </p:cNvPr>
+          <p:cNvSpPr txBox="1"/>
+          <p:nvPr/>
+        </p:nvSpPr>
+        <p:spPr>
+          <a:xfrm>
+            <a:off x="9169869" y="2262742"/>
+            <a:ext cx="2436915" cy="923330"/>
+          </a:xfrm>
+          <a:prstGeom prst="rect">
+            <a:avLst/>
+          </a:prstGeom>
+          <a:noFill/>
+        </p:spPr>
+        <p:txBody>
+          <a:bodyPr wrap="square" rtlCol="0">
+            <a:spAutoFit/>
+          </a:bodyPr>
+          <a:lstStyle/>
+          <a:p>
+            <a:r>
+              <a:rPr lang="en-US" dirty="0"/>
+              <a:t>Energy levels in quantum mechanics</a:t>
+            </a:r>
+          </a:p>
+          <a:p>
+            <a:r>
+              <a:rPr lang="en-US" dirty="0"/>
+              <a:t>using matrix form</a:t>
+            </a:r>
+          </a:p>
+        </p:txBody>
+      </p:sp>
     </p:spTree>
     <p:extLst>
       <p:ext uri="{BB962C8B-B14F-4D97-AF65-F5344CB8AC3E}">
@@ -7314,8 +7567,8 @@
           </a:p>
         </p:txBody>
       </p:sp>
-      <mc:AlternateContent xmlns:mc="http://schemas.openxmlformats.org/markup-compatibility/2006">
-        <mc:Choice xmlns:a14="http://schemas.microsoft.com/office/drawing/2010/main" Requires="a14">
+      <mc:AlternateContent xmlns:mc="http://schemas.openxmlformats.org/markup-compatibility/2006" xmlns:a14="http://schemas.microsoft.com/office/drawing/2010/main">
+        <mc:Choice Requires="a14">
           <p:sp>
             <p:nvSpPr>
               <p:cNvPr id="8" name="TextBox 7">
@@ -7491,7 +7744,7 @@
             </p:txBody>
           </p:sp>
         </mc:Choice>
-        <mc:Fallback>
+        <mc:Fallback xmlns="">
           <p:sp>
             <p:nvSpPr>
               <p:cNvPr id="8" name="TextBox 7">
@@ -7905,8 +8158,8 @@
           </a:p>
         </p:txBody>
       </p:sp>
-      <mc:AlternateContent xmlns:mc="http://schemas.openxmlformats.org/markup-compatibility/2006">
-        <mc:Choice xmlns:a14="http://schemas.microsoft.com/office/drawing/2010/main" Requires="a14">
+      <mc:AlternateContent xmlns:mc="http://schemas.openxmlformats.org/markup-compatibility/2006" xmlns:a14="http://schemas.microsoft.com/office/drawing/2010/main">
+        <mc:Choice Requires="a14">
           <p:sp>
             <p:nvSpPr>
               <p:cNvPr id="7" name="TextBox 6">
@@ -8227,7 +8480,7 @@
             </p:txBody>
           </p:sp>
         </mc:Choice>
-        <mc:Fallback>
+        <mc:Fallback xmlns="">
           <p:sp>
             <p:nvSpPr>
               <p:cNvPr id="7" name="TextBox 6">
@@ -8367,8 +8620,8 @@
           </a:p>
         </p:txBody>
       </p:sp>
-      <mc:AlternateContent xmlns:mc="http://schemas.openxmlformats.org/markup-compatibility/2006">
-        <mc:Choice xmlns:a14="http://schemas.microsoft.com/office/drawing/2010/main" Requires="a14">
+      <mc:AlternateContent xmlns:mc="http://schemas.openxmlformats.org/markup-compatibility/2006" xmlns:a14="http://schemas.microsoft.com/office/drawing/2010/main">
+        <mc:Choice Requires="a14">
           <p:sp>
             <p:nvSpPr>
               <p:cNvPr id="12" name="TextBox 11">
@@ -8422,13 +8675,7 @@
                       <a:rPr lang="en-US" b="1" i="1" dirty="0" smtClean="0">
                         <a:latin typeface="Cambria Math" panose="02040503050406030204" pitchFamily="18" charset="0"/>
                       </a:rPr>
-                      <m:t>𝑸𝑻𝑨</m:t>
-                    </m:r>
-                    <m:r>
-                      <a:rPr lang="en-US" b="1" i="1" dirty="0" smtClean="0">
-                        <a:latin typeface="Cambria Math" panose="02040503050406030204" pitchFamily="18" charset="0"/>
-                      </a:rPr>
-                      <m:t>𝑸</m:t>
+                      <m:t>𝑸𝑻𝑨𝑸</m:t>
                     </m:r>
                     <m:r>
                       <a:rPr lang="en-US" i="1" dirty="0" smtClean="0">
@@ -8543,7 +8790,7 @@
             </p:txBody>
           </p:sp>
         </mc:Choice>
-        <mc:Fallback>
+        <mc:Fallback xmlns="">
           <p:sp>
             <p:nvSpPr>
               <p:cNvPr id="12" name="TextBox 11">
@@ -8588,8 +8835,8 @@
           </p:sp>
         </mc:Fallback>
       </mc:AlternateContent>
-      <mc:AlternateContent xmlns:mc="http://schemas.openxmlformats.org/markup-compatibility/2006">
-        <mc:Choice xmlns:a14="http://schemas.microsoft.com/office/drawing/2010/main" Requires="a14">
+      <mc:AlternateContent xmlns:mc="http://schemas.openxmlformats.org/markup-compatibility/2006" xmlns:a14="http://schemas.microsoft.com/office/drawing/2010/main">
+        <mc:Choice Requires="a14">
           <p:sp>
             <p:nvSpPr>
               <p:cNvPr id="13" name="TextBox 12">
@@ -8689,7 +8936,7 @@
             </p:txBody>
           </p:sp>
         </mc:Choice>
-        <mc:Fallback>
+        <mc:Fallback xmlns="">
           <p:sp>
             <p:nvSpPr>
               <p:cNvPr id="13" name="TextBox 12">
@@ -8734,8 +8981,8 @@
           </p:sp>
         </mc:Fallback>
       </mc:AlternateContent>
-      <mc:AlternateContent xmlns:mc="http://schemas.openxmlformats.org/markup-compatibility/2006">
-        <mc:Choice xmlns:a14="http://schemas.microsoft.com/office/drawing/2010/main" Requires="a14">
+      <mc:AlternateContent xmlns:mc="http://schemas.openxmlformats.org/markup-compatibility/2006" xmlns:a14="http://schemas.microsoft.com/office/drawing/2010/main">
+        <mc:Choice Requires="a14">
           <p:sp>
             <p:nvSpPr>
               <p:cNvPr id="14" name="TextBox 13">
@@ -8816,7 +9063,7 @@
             </p:txBody>
           </p:sp>
         </mc:Choice>
-        <mc:Fallback>
+        <mc:Fallback xmlns="">
           <p:sp>
             <p:nvSpPr>
               <p:cNvPr id="14" name="TextBox 13">
@@ -8861,8 +9108,8 @@
           </p:sp>
         </mc:Fallback>
       </mc:AlternateContent>
-      <mc:AlternateContent xmlns:mc="http://schemas.openxmlformats.org/markup-compatibility/2006">
-        <mc:Choice xmlns:a14="http://schemas.microsoft.com/office/drawing/2010/main" Requires="a14">
+      <mc:AlternateContent xmlns:mc="http://schemas.openxmlformats.org/markup-compatibility/2006" xmlns:a14="http://schemas.microsoft.com/office/drawing/2010/main">
+        <mc:Choice Requires="a14">
           <p:sp>
             <p:nvSpPr>
               <p:cNvPr id="16" name="TextBox 15">
@@ -8937,7 +9184,7 @@
             </p:txBody>
           </p:sp>
         </mc:Choice>
-        <mc:Fallback>
+        <mc:Fallback xmlns="">
           <p:sp>
             <p:nvSpPr>
               <p:cNvPr id="16" name="TextBox 15">
@@ -8982,8 +9229,8 @@
           </p:sp>
         </mc:Fallback>
       </mc:AlternateContent>
-      <mc:AlternateContent xmlns:mc="http://schemas.openxmlformats.org/markup-compatibility/2006">
-        <mc:Choice xmlns:a14="http://schemas.microsoft.com/office/drawing/2010/main" Requires="a14">
+      <mc:AlternateContent xmlns:mc="http://schemas.openxmlformats.org/markup-compatibility/2006" xmlns:a14="http://schemas.microsoft.com/office/drawing/2010/main">
+        <mc:Choice Requires="a14">
           <p:sp>
             <p:nvSpPr>
               <p:cNvPr id="17" name="TextBox 16">
@@ -9068,7 +9315,7 @@
             </p:txBody>
           </p:sp>
         </mc:Choice>
-        <mc:Fallback>
+        <mc:Fallback xmlns="">
           <p:sp>
             <p:nvSpPr>
               <p:cNvPr id="17" name="TextBox 16">
@@ -9237,8 +9484,8 @@
           </a:p>
         </p:txBody>
       </p:sp>
-      <mc:AlternateContent xmlns:mc="http://schemas.openxmlformats.org/markup-compatibility/2006">
-        <mc:Choice xmlns:a14="http://schemas.microsoft.com/office/drawing/2010/main" Requires="a14">
+      <mc:AlternateContent xmlns:mc="http://schemas.openxmlformats.org/markup-compatibility/2006" xmlns:a14="http://schemas.microsoft.com/office/drawing/2010/main">
+        <mc:Choice Requires="a14">
           <p:sp>
             <p:nvSpPr>
               <p:cNvPr id="24" name="TextBox 23">
@@ -9302,7 +9549,7 @@
             </p:txBody>
           </p:sp>
         </mc:Choice>
-        <mc:Fallback>
+        <mc:Fallback xmlns="">
           <p:sp>
             <p:nvSpPr>
               <p:cNvPr id="24" name="TextBox 23">
@@ -11432,7 +11679,7 @@
         <p:spPr>
           <a:xfrm>
             <a:off x="767980" y="3607465"/>
-            <a:ext cx="8805678" cy="1169551"/>
+            <a:ext cx="8805678" cy="1477328"/>
           </a:xfrm>
           <a:prstGeom prst="rect">
             <a:avLst/>
@@ -11469,8 +11716,12 @@
               <a:buChar char="•"/>
             </a:pPr>
             <a:r>
+              <a:rPr lang="en-US" sz="2000" b="1" dirty="0"/>
+              <a:t>Nearest-neighbor interaction </a:t>
+            </a:r>
+            <a:r>
               <a:rPr lang="en-US" sz="2000" dirty="0"/>
-              <a:t>Nearest-neighbor interaction (linear chain of springs)</a:t>
+              <a:t>(linear chain of springs)</a:t>
             </a:r>
           </a:p>
           <a:p>
@@ -11485,8 +11736,12 @@
               <a:buChar char="•"/>
             </a:pPr>
             <a:r>
+              <a:rPr lang="en-US" sz="2000" b="1" dirty="0"/>
+              <a:t>Finite differences applied to partial differential equations </a:t>
+            </a:r>
+            <a:r>
               <a:rPr lang="en-US" sz="2000" dirty="0"/>
-              <a:t>Finite differences applied to partial differential equations (heat equation)</a:t>
+              <a:t>(heat equation)</a:t>
             </a:r>
           </a:p>
         </p:txBody>
@@ -12633,16 +12888,20 @@
             </a:r>
           </a:p>
           <a:p>
-            <a:pPr marL="342900" indent="-342900" algn="just">
+            <a:pPr marL="457200" indent="-457200" algn="just">
               <a:spcAft>
                 <a:spcPts val="600"/>
               </a:spcAft>
               <a:buClr>
                 <a:srgbClr val="0808FF"/>
               </a:buClr>
-              <a:buFont typeface="Arial" panose="020B0604020202020204" pitchFamily="34" charset="0"/>
-              <a:buChar char="•"/>
+              <a:buFont typeface="+mj-lt"/>
+              <a:buAutoNum type="arabicPeriod"/>
             </a:pPr>
+            <a:r>
+              <a:rPr lang="en-US" sz="2000" b="1" dirty="0"/>
+              <a:t>Gaussian elimination: </a:t>
+            </a:r>
             <a:r>
               <a:rPr lang="en-US" sz="2000" dirty="0"/>
               <a:t>At each step one has to normalize m</a:t>
@@ -12733,23 +12992,27 @@
             </a:r>
           </a:p>
           <a:p>
-            <a:pPr marL="342900" indent="-342900" algn="just">
+            <a:pPr marL="457200" indent="-457200" algn="just">
               <a:spcAft>
                 <a:spcPts val="600"/>
               </a:spcAft>
               <a:buClr>
                 <a:srgbClr val="0808FF"/>
               </a:buClr>
-              <a:buFont typeface="Arial" panose="020B0604020202020204" pitchFamily="34" charset="0"/>
-              <a:buChar char="•"/>
+              <a:buFont typeface="+mj-lt"/>
+              <a:buAutoNum type="arabicPeriod"/>
             </a:pPr>
             <a:r>
-              <a:rPr lang="en-US" sz="2000" dirty="0" err="1"/>
+              <a:rPr lang="en-US" sz="2000" b="1" dirty="0" err="1"/>
               <a:t>Backsubstitution</a:t>
             </a:r>
             <a:r>
+              <a:rPr lang="en-US" sz="2000" b="1" dirty="0"/>
+              <a:t>: in </a:t>
+            </a:r>
+            <a:r>
               <a:rPr lang="en-US" sz="2000" dirty="0"/>
-              <a:t> step: in each row subtract up to </a:t>
+              <a:t>each row subtract up to </a:t>
             </a:r>
             <a:r>
               <a:rPr lang="en-US" sz="2000" dirty="0" err="1"/>

--- a/slides/Lecture5-01-30-23-LinearAlgebra-2.pptx
+++ b/slides/Lecture5-01-30-23-LinearAlgebra-2.pptx
@@ -257,7 +257,7 @@
           <a:p>
             <a:fld id="{961AF02B-09B0-4980-983D-27C0EDB561B5}" type="datetimeFigureOut">
               <a:rPr lang="uk-UA" smtClean="0"/>
-              <a:t>30.01.25</a:t>
+              <a:t>03.02.25</a:t>
             </a:fld>
             <a:endParaRPr lang="uk-UA"/>
           </a:p>
@@ -5681,56 +5681,6 @@
       </p:pic>
       <p:sp>
         <p:nvSpPr>
-          <p:cNvPr id="9" name="TextBox 8">
-            <a:extLst>
-              <a:ext uri="{FF2B5EF4-FFF2-40B4-BE49-F238E27FC236}">
-                <a16:creationId xmlns:a16="http://schemas.microsoft.com/office/drawing/2014/main" id="{4ADF7582-D44D-F927-860D-231B612B2A3A}"/>
-              </a:ext>
-            </a:extLst>
-          </p:cNvPr>
-          <p:cNvSpPr txBox="1"/>
-          <p:nvPr/>
-        </p:nvSpPr>
-        <p:spPr>
-          <a:xfrm>
-            <a:off x="325785" y="6337559"/>
-            <a:ext cx="10786853" cy="369332"/>
-          </a:xfrm>
-          <a:prstGeom prst="rect">
-            <a:avLst/>
-          </a:prstGeom>
-          <a:noFill/>
-        </p:spPr>
-        <p:txBody>
-          <a:bodyPr wrap="square">
-            <a:spAutoFit/>
-          </a:bodyPr>
-          <a:lstStyle/>
-          <a:p>
-            <a:r>
-              <a:rPr lang="en-US" b="1" dirty="0">
-                <a:latin typeface="LM Sans 10" panose="00000500000000000000" pitchFamily="50" charset="0"/>
-              </a:rPr>
-              <a:t>Course materials:</a:t>
-            </a:r>
-            <a:r>
-              <a:rPr lang="en-US" dirty="0">
-                <a:latin typeface="LM Sans 10" panose="00000500000000000000" pitchFamily="50" charset="0"/>
-              </a:rPr>
-              <a:t> </a:t>
-            </a:r>
-            <a:r>
-              <a:rPr lang="en-US" dirty="0">
-                <a:hlinkClick r:id="rId5"/>
-              </a:rPr>
-              <a:t>https://github.com/vlvovch/PHYS6350-ComputationalPhysics</a:t>
-            </a:r>
-            <a:endParaRPr lang="en-US" dirty="0"/>
-          </a:p>
-        </p:txBody>
-      </p:sp>
-      <p:sp>
-        <p:nvSpPr>
           <p:cNvPr id="3" name="TextBox 2">
             <a:extLst>
               <a:ext uri="{FF2B5EF4-FFF2-40B4-BE49-F238E27FC236}">
@@ -5826,6 +5776,56 @@
             <a:endParaRPr lang="en-US" sz="2200" dirty="0">
               <a:latin typeface="+mj-lt"/>
             </a:endParaRPr>
+          </a:p>
+        </p:txBody>
+      </p:sp>
+      <p:sp>
+        <p:nvSpPr>
+          <p:cNvPr id="2" name="TextBox 1">
+            <a:extLst>
+              <a:ext uri="{FF2B5EF4-FFF2-40B4-BE49-F238E27FC236}">
+                <a16:creationId xmlns:a16="http://schemas.microsoft.com/office/drawing/2014/main" id="{F198F191-C820-66C8-3F8E-C42F9147D979}"/>
+              </a:ext>
+            </a:extLst>
+          </p:cNvPr>
+          <p:cNvSpPr txBox="1"/>
+          <p:nvPr/>
+        </p:nvSpPr>
+        <p:spPr>
+          <a:xfrm>
+            <a:off x="325785" y="6337559"/>
+            <a:ext cx="10786853" cy="369332"/>
+          </a:xfrm>
+          <a:prstGeom prst="rect">
+            <a:avLst/>
+          </a:prstGeom>
+          <a:noFill/>
+        </p:spPr>
+        <p:txBody>
+          <a:bodyPr wrap="square">
+            <a:spAutoFit/>
+          </a:bodyPr>
+          <a:lstStyle/>
+          <a:p>
+            <a:r>
+              <a:rPr lang="en-US" b="1" dirty="0">
+                <a:latin typeface="LM Sans 10" panose="00000500000000000000" pitchFamily="50" charset="0"/>
+              </a:rPr>
+              <a:t>Course materials:</a:t>
+            </a:r>
+            <a:r>
+              <a:rPr lang="en-US" dirty="0">
+                <a:latin typeface="LM Sans 10" panose="00000500000000000000" pitchFamily="50" charset="0"/>
+              </a:rPr>
+              <a:t> </a:t>
+            </a:r>
+            <a:r>
+              <a:rPr lang="en-US" dirty="0">
+                <a:hlinkClick r:id="rId5"/>
+              </a:rPr>
+              <a:t>https://github.com/vlvovch/PHYS6350-ComputationalPhysics/tree/spring2025</a:t>
+            </a:r>
+            <a:endParaRPr lang="en-US" dirty="0"/>
           </a:p>
         </p:txBody>
       </p:sp>
@@ -7263,8 +7263,8 @@
           </a:p>
         </p:txBody>
       </p:sp>
-      <mc:AlternateContent xmlns:mc="http://schemas.openxmlformats.org/markup-compatibility/2006">
-        <mc:Choice xmlns:a14="http://schemas.microsoft.com/office/drawing/2010/main" Requires="a14">
+      <mc:AlternateContent xmlns:mc="http://schemas.openxmlformats.org/markup-compatibility/2006" xmlns:a14="http://schemas.microsoft.com/office/drawing/2010/main">
+        <mc:Choice Requires="a14">
           <p:sp>
             <p:nvSpPr>
               <p:cNvPr id="5" name="TextBox 4">
@@ -7293,6 +7293,7 @@
               </a:bodyPr>
               <a:lstStyle/>
               <a:p>
+                <a:pPr/>
                 <a14:m>
                   <m:oMathPara xmlns:m="http://schemas.openxmlformats.org/officeDocument/2006/math">
                     <m:oMathParaPr>
@@ -7395,7 +7396,7 @@
             </p:txBody>
           </p:sp>
         </mc:Choice>
-        <mc:Fallback>
+        <mc:Fallback xmlns="">
           <p:sp>
             <p:nvSpPr>
               <p:cNvPr id="5" name="TextBox 4">
